--- a/ppt 16-9/0395.耶稣！全人类的.pptx
+++ b/ppt 16-9/0395.耶稣！全人类的.pptx
@@ -129,7 +129,7 @@
           <p:cNvPr id="2" name="标题 1">
             <a:extLst>
               <a:ext uri="{FF2B5EF4-FFF2-40B4-BE49-F238E27FC236}">
-                <a16:creationId xmlns:a16="http://schemas.microsoft.com/office/drawing/2014/main" id="{C206E8EC-DE66-C733-AF2D-BB54D9ACF1C8}"/>
+                <a16:creationId xmlns:a16="http://schemas.microsoft.com/office/drawing/2014/main" id="{C18478A7-81E8-9D00-6FD1-A015CED63DA8}"/>
               </a:ext>
             </a:extLst>
           </p:cNvPr>
@@ -166,7 +166,7 @@
           <p:cNvPr id="3" name="副标题 2">
             <a:extLst>
               <a:ext uri="{FF2B5EF4-FFF2-40B4-BE49-F238E27FC236}">
-                <a16:creationId xmlns:a16="http://schemas.microsoft.com/office/drawing/2014/main" id="{052A2EDB-B443-0A00-679D-387415051744}"/>
+                <a16:creationId xmlns:a16="http://schemas.microsoft.com/office/drawing/2014/main" id="{780C5C67-D2C7-3FD1-2A3E-886866C9F8C4}"/>
               </a:ext>
             </a:extLst>
           </p:cNvPr>
@@ -236,7 +236,7 @@
           <p:cNvPr id="4" name="日期占位符 3">
             <a:extLst>
               <a:ext uri="{FF2B5EF4-FFF2-40B4-BE49-F238E27FC236}">
-                <a16:creationId xmlns:a16="http://schemas.microsoft.com/office/drawing/2014/main" id="{B3821AA2-4C1F-022B-3EC1-733FF2D0CAF2}"/>
+                <a16:creationId xmlns:a16="http://schemas.microsoft.com/office/drawing/2014/main" id="{734B0EF0-BE3D-1919-C8F2-078BCE429247}"/>
               </a:ext>
             </a:extLst>
           </p:cNvPr>
@@ -252,7 +252,7 @@
           <a:bodyPr/>
           <a:lstStyle/>
           <a:p>
-            <a:fld id="{4BCBE079-4D1C-4527-B5EC-6822880A6EF9}" type="datetimeFigureOut">
+            <a:fld id="{9A59B4B6-7003-45F4-9DB9-4A8CA9F0CEC5}" type="datetimeFigureOut">
               <a:rPr lang="zh-CN" altLang="en-US" smtClean="0"/>
               <a:t>2024/3/10</a:t>
             </a:fld>
@@ -265,7 +265,7 @@
           <p:cNvPr id="5" name="页脚占位符 4">
             <a:extLst>
               <a:ext uri="{FF2B5EF4-FFF2-40B4-BE49-F238E27FC236}">
-                <a16:creationId xmlns:a16="http://schemas.microsoft.com/office/drawing/2014/main" id="{EDD427FC-DC70-D27D-892D-C44C7A8E3B57}"/>
+                <a16:creationId xmlns:a16="http://schemas.microsoft.com/office/drawing/2014/main" id="{972D3210-1893-04E3-736F-B6AA0DD29A27}"/>
               </a:ext>
             </a:extLst>
           </p:cNvPr>
@@ -290,7 +290,7 @@
           <p:cNvPr id="6" name="灯片编号占位符 5">
             <a:extLst>
               <a:ext uri="{FF2B5EF4-FFF2-40B4-BE49-F238E27FC236}">
-                <a16:creationId xmlns:a16="http://schemas.microsoft.com/office/drawing/2014/main" id="{4D18FD94-3232-0080-A838-96AFFDD248DA}"/>
+                <a16:creationId xmlns:a16="http://schemas.microsoft.com/office/drawing/2014/main" id="{0ED52580-5298-BDBC-1EA6-92E1E77921CF}"/>
               </a:ext>
             </a:extLst>
           </p:cNvPr>
@@ -306,7 +306,7 @@
           <a:bodyPr/>
           <a:lstStyle/>
           <a:p>
-            <a:fld id="{AE2CD29F-5028-4F38-9ACA-932F902C969D}" type="slidenum">
+            <a:fld id="{662F22C2-7AFB-489E-A63C-1CB9FF22F2D0}" type="slidenum">
               <a:rPr lang="zh-CN" altLang="en-US" smtClean="0"/>
               <a:t>‹#›</a:t>
             </a:fld>
@@ -317,7 +317,7 @@
     </p:spTree>
     <p:extLst>
       <p:ext uri="{BB962C8B-B14F-4D97-AF65-F5344CB8AC3E}">
-        <p14:creationId xmlns:p14="http://schemas.microsoft.com/office/powerpoint/2010/main" val="1936752534"/>
+        <p14:creationId xmlns:p14="http://schemas.microsoft.com/office/powerpoint/2010/main" val="1782178502"/>
       </p:ext>
     </p:extLst>
   </p:cSld>
@@ -349,7 +349,7 @@
           <p:cNvPr id="2" name="标题 1">
             <a:extLst>
               <a:ext uri="{FF2B5EF4-FFF2-40B4-BE49-F238E27FC236}">
-                <a16:creationId xmlns:a16="http://schemas.microsoft.com/office/drawing/2014/main" id="{5EC6707D-D83D-E334-4814-65F0B8BC5DF9}"/>
+                <a16:creationId xmlns:a16="http://schemas.microsoft.com/office/drawing/2014/main" id="{BD472780-E5B2-A4EC-77E3-038E959895B9}"/>
               </a:ext>
             </a:extLst>
           </p:cNvPr>
@@ -377,7 +377,7 @@
           <p:cNvPr id="3" name="竖排文字占位符 2">
             <a:extLst>
               <a:ext uri="{FF2B5EF4-FFF2-40B4-BE49-F238E27FC236}">
-                <a16:creationId xmlns:a16="http://schemas.microsoft.com/office/drawing/2014/main" id="{B9403451-8D35-D205-08BD-559AEF7B9545}"/>
+                <a16:creationId xmlns:a16="http://schemas.microsoft.com/office/drawing/2014/main" id="{0BF48FDE-B602-50EE-4E7A-7F447B2FEC31}"/>
               </a:ext>
             </a:extLst>
           </p:cNvPr>
@@ -434,7 +434,7 @@
           <p:cNvPr id="4" name="日期占位符 3">
             <a:extLst>
               <a:ext uri="{FF2B5EF4-FFF2-40B4-BE49-F238E27FC236}">
-                <a16:creationId xmlns:a16="http://schemas.microsoft.com/office/drawing/2014/main" id="{5149F507-399D-4755-A37C-192C0F6D0C92}"/>
+                <a16:creationId xmlns:a16="http://schemas.microsoft.com/office/drawing/2014/main" id="{B218A66B-8CD3-4E66-9722-4125F801229A}"/>
               </a:ext>
             </a:extLst>
           </p:cNvPr>
@@ -450,7 +450,7 @@
           <a:bodyPr/>
           <a:lstStyle/>
           <a:p>
-            <a:fld id="{4BCBE079-4D1C-4527-B5EC-6822880A6EF9}" type="datetimeFigureOut">
+            <a:fld id="{9A59B4B6-7003-45F4-9DB9-4A8CA9F0CEC5}" type="datetimeFigureOut">
               <a:rPr lang="zh-CN" altLang="en-US" smtClean="0"/>
               <a:t>2024/3/10</a:t>
             </a:fld>
@@ -463,7 +463,7 @@
           <p:cNvPr id="5" name="页脚占位符 4">
             <a:extLst>
               <a:ext uri="{FF2B5EF4-FFF2-40B4-BE49-F238E27FC236}">
-                <a16:creationId xmlns:a16="http://schemas.microsoft.com/office/drawing/2014/main" id="{6D478127-D4F1-6961-2D2E-21672A2D8E4C}"/>
+                <a16:creationId xmlns:a16="http://schemas.microsoft.com/office/drawing/2014/main" id="{80138014-4357-1481-D05A-8BC27B6422C1}"/>
               </a:ext>
             </a:extLst>
           </p:cNvPr>
@@ -488,7 +488,7 @@
           <p:cNvPr id="6" name="灯片编号占位符 5">
             <a:extLst>
               <a:ext uri="{FF2B5EF4-FFF2-40B4-BE49-F238E27FC236}">
-                <a16:creationId xmlns:a16="http://schemas.microsoft.com/office/drawing/2014/main" id="{E52DF169-3441-E894-F937-05F14C634C90}"/>
+                <a16:creationId xmlns:a16="http://schemas.microsoft.com/office/drawing/2014/main" id="{773D2023-548A-0926-2092-DB309B0F0542}"/>
               </a:ext>
             </a:extLst>
           </p:cNvPr>
@@ -504,7 +504,7 @@
           <a:bodyPr/>
           <a:lstStyle/>
           <a:p>
-            <a:fld id="{AE2CD29F-5028-4F38-9ACA-932F902C969D}" type="slidenum">
+            <a:fld id="{662F22C2-7AFB-489E-A63C-1CB9FF22F2D0}" type="slidenum">
               <a:rPr lang="zh-CN" altLang="en-US" smtClean="0"/>
               <a:t>‹#›</a:t>
             </a:fld>
@@ -515,7 +515,7 @@
     </p:spTree>
     <p:extLst>
       <p:ext uri="{BB962C8B-B14F-4D97-AF65-F5344CB8AC3E}">
-        <p14:creationId xmlns:p14="http://schemas.microsoft.com/office/powerpoint/2010/main" val="3217199186"/>
+        <p14:creationId xmlns:p14="http://schemas.microsoft.com/office/powerpoint/2010/main" val="95684940"/>
       </p:ext>
     </p:extLst>
   </p:cSld>
@@ -547,7 +547,7 @@
           <p:cNvPr id="2" name="竖排标题 1">
             <a:extLst>
               <a:ext uri="{FF2B5EF4-FFF2-40B4-BE49-F238E27FC236}">
-                <a16:creationId xmlns:a16="http://schemas.microsoft.com/office/drawing/2014/main" id="{53450F89-C81D-4684-7574-CC1C11CD4319}"/>
+                <a16:creationId xmlns:a16="http://schemas.microsoft.com/office/drawing/2014/main" id="{DAA1E38B-4CD1-8FDC-E5CC-096A0AA87B76}"/>
               </a:ext>
             </a:extLst>
           </p:cNvPr>
@@ -580,7 +580,7 @@
           <p:cNvPr id="3" name="竖排文字占位符 2">
             <a:extLst>
               <a:ext uri="{FF2B5EF4-FFF2-40B4-BE49-F238E27FC236}">
-                <a16:creationId xmlns:a16="http://schemas.microsoft.com/office/drawing/2014/main" id="{65277D4F-B420-1042-1770-7168D1A7C43A}"/>
+                <a16:creationId xmlns:a16="http://schemas.microsoft.com/office/drawing/2014/main" id="{2F9BE9E8-1F08-4FB6-0A98-05834EE33380}"/>
               </a:ext>
             </a:extLst>
           </p:cNvPr>
@@ -642,7 +642,7 @@
           <p:cNvPr id="4" name="日期占位符 3">
             <a:extLst>
               <a:ext uri="{FF2B5EF4-FFF2-40B4-BE49-F238E27FC236}">
-                <a16:creationId xmlns:a16="http://schemas.microsoft.com/office/drawing/2014/main" id="{DFAE23CB-8C2F-EAF8-D8E4-D23D13FB7E67}"/>
+                <a16:creationId xmlns:a16="http://schemas.microsoft.com/office/drawing/2014/main" id="{113E63F8-BDB0-7859-563B-8E55421DBB53}"/>
               </a:ext>
             </a:extLst>
           </p:cNvPr>
@@ -658,7 +658,7 @@
           <a:bodyPr/>
           <a:lstStyle/>
           <a:p>
-            <a:fld id="{4BCBE079-4D1C-4527-B5EC-6822880A6EF9}" type="datetimeFigureOut">
+            <a:fld id="{9A59B4B6-7003-45F4-9DB9-4A8CA9F0CEC5}" type="datetimeFigureOut">
               <a:rPr lang="zh-CN" altLang="en-US" smtClean="0"/>
               <a:t>2024/3/10</a:t>
             </a:fld>
@@ -671,7 +671,7 @@
           <p:cNvPr id="5" name="页脚占位符 4">
             <a:extLst>
               <a:ext uri="{FF2B5EF4-FFF2-40B4-BE49-F238E27FC236}">
-                <a16:creationId xmlns:a16="http://schemas.microsoft.com/office/drawing/2014/main" id="{CA2FB124-2940-EE61-EC03-823F27BE4CD5}"/>
+                <a16:creationId xmlns:a16="http://schemas.microsoft.com/office/drawing/2014/main" id="{4471319D-6392-0D31-F601-D5984F364102}"/>
               </a:ext>
             </a:extLst>
           </p:cNvPr>
@@ -696,7 +696,7 @@
           <p:cNvPr id="6" name="灯片编号占位符 5">
             <a:extLst>
               <a:ext uri="{FF2B5EF4-FFF2-40B4-BE49-F238E27FC236}">
-                <a16:creationId xmlns:a16="http://schemas.microsoft.com/office/drawing/2014/main" id="{C4BE028E-4BFC-2DAB-DF36-E3C380967B46}"/>
+                <a16:creationId xmlns:a16="http://schemas.microsoft.com/office/drawing/2014/main" id="{4A775DC8-59D2-9682-3663-D6AC834EC347}"/>
               </a:ext>
             </a:extLst>
           </p:cNvPr>
@@ -712,7 +712,7 @@
           <a:bodyPr/>
           <a:lstStyle/>
           <a:p>
-            <a:fld id="{AE2CD29F-5028-4F38-9ACA-932F902C969D}" type="slidenum">
+            <a:fld id="{662F22C2-7AFB-489E-A63C-1CB9FF22F2D0}" type="slidenum">
               <a:rPr lang="zh-CN" altLang="en-US" smtClean="0"/>
               <a:t>‹#›</a:t>
             </a:fld>
@@ -723,7 +723,7 @@
     </p:spTree>
     <p:extLst>
       <p:ext uri="{BB962C8B-B14F-4D97-AF65-F5344CB8AC3E}">
-        <p14:creationId xmlns:p14="http://schemas.microsoft.com/office/powerpoint/2010/main" val="2384790768"/>
+        <p14:creationId xmlns:p14="http://schemas.microsoft.com/office/powerpoint/2010/main" val="1257471846"/>
       </p:ext>
     </p:extLst>
   </p:cSld>
@@ -755,7 +755,7 @@
           <p:cNvPr id="2" name="标题 1">
             <a:extLst>
               <a:ext uri="{FF2B5EF4-FFF2-40B4-BE49-F238E27FC236}">
-                <a16:creationId xmlns:a16="http://schemas.microsoft.com/office/drawing/2014/main" id="{29C16845-6E48-BB49-2972-5CF9B5088720}"/>
+                <a16:creationId xmlns:a16="http://schemas.microsoft.com/office/drawing/2014/main" id="{6A7F5FE9-8B41-998A-F8B1-4F607FFD7E26}"/>
               </a:ext>
             </a:extLst>
           </p:cNvPr>
@@ -783,7 +783,7 @@
           <p:cNvPr id="3" name="内容占位符 2">
             <a:extLst>
               <a:ext uri="{FF2B5EF4-FFF2-40B4-BE49-F238E27FC236}">
-                <a16:creationId xmlns:a16="http://schemas.microsoft.com/office/drawing/2014/main" id="{3070C773-6760-E86E-3D80-414AD3CD515D}"/>
+                <a16:creationId xmlns:a16="http://schemas.microsoft.com/office/drawing/2014/main" id="{1E3FD64E-D392-855F-F2B9-4D03CF7C6703}"/>
               </a:ext>
             </a:extLst>
           </p:cNvPr>
@@ -840,7 +840,7 @@
           <p:cNvPr id="4" name="日期占位符 3">
             <a:extLst>
               <a:ext uri="{FF2B5EF4-FFF2-40B4-BE49-F238E27FC236}">
-                <a16:creationId xmlns:a16="http://schemas.microsoft.com/office/drawing/2014/main" id="{A1394F6C-5E79-8A48-9310-12C5AA6B59FD}"/>
+                <a16:creationId xmlns:a16="http://schemas.microsoft.com/office/drawing/2014/main" id="{1ED6B5C3-96CB-D410-DD6C-F4DE6BDF3AC7}"/>
               </a:ext>
             </a:extLst>
           </p:cNvPr>
@@ -856,7 +856,7 @@
           <a:bodyPr/>
           <a:lstStyle/>
           <a:p>
-            <a:fld id="{4BCBE079-4D1C-4527-B5EC-6822880A6EF9}" type="datetimeFigureOut">
+            <a:fld id="{9A59B4B6-7003-45F4-9DB9-4A8CA9F0CEC5}" type="datetimeFigureOut">
               <a:rPr lang="zh-CN" altLang="en-US" smtClean="0"/>
               <a:t>2024/3/10</a:t>
             </a:fld>
@@ -869,7 +869,7 @@
           <p:cNvPr id="5" name="页脚占位符 4">
             <a:extLst>
               <a:ext uri="{FF2B5EF4-FFF2-40B4-BE49-F238E27FC236}">
-                <a16:creationId xmlns:a16="http://schemas.microsoft.com/office/drawing/2014/main" id="{B6BE2034-6187-548E-6C6E-3ACA35FD5732}"/>
+                <a16:creationId xmlns:a16="http://schemas.microsoft.com/office/drawing/2014/main" id="{59F3DDBF-A1B3-DE11-7635-7B0DE167C1D8}"/>
               </a:ext>
             </a:extLst>
           </p:cNvPr>
@@ -894,7 +894,7 @@
           <p:cNvPr id="6" name="灯片编号占位符 5">
             <a:extLst>
               <a:ext uri="{FF2B5EF4-FFF2-40B4-BE49-F238E27FC236}">
-                <a16:creationId xmlns:a16="http://schemas.microsoft.com/office/drawing/2014/main" id="{35FEB8C2-CF84-008E-393E-50B0C3786A6F}"/>
+                <a16:creationId xmlns:a16="http://schemas.microsoft.com/office/drawing/2014/main" id="{445F8281-62B3-1ADA-F85E-FE6E6C1877C3}"/>
               </a:ext>
             </a:extLst>
           </p:cNvPr>
@@ -910,7 +910,7 @@
           <a:bodyPr/>
           <a:lstStyle/>
           <a:p>
-            <a:fld id="{AE2CD29F-5028-4F38-9ACA-932F902C969D}" type="slidenum">
+            <a:fld id="{662F22C2-7AFB-489E-A63C-1CB9FF22F2D0}" type="slidenum">
               <a:rPr lang="zh-CN" altLang="en-US" smtClean="0"/>
               <a:t>‹#›</a:t>
             </a:fld>
@@ -921,7 +921,7 @@
     </p:spTree>
     <p:extLst>
       <p:ext uri="{BB962C8B-B14F-4D97-AF65-F5344CB8AC3E}">
-        <p14:creationId xmlns:p14="http://schemas.microsoft.com/office/powerpoint/2010/main" val="2733310532"/>
+        <p14:creationId xmlns:p14="http://schemas.microsoft.com/office/powerpoint/2010/main" val="3554054859"/>
       </p:ext>
     </p:extLst>
   </p:cSld>
@@ -953,7 +953,7 @@
           <p:cNvPr id="2" name="标题 1">
             <a:extLst>
               <a:ext uri="{FF2B5EF4-FFF2-40B4-BE49-F238E27FC236}">
-                <a16:creationId xmlns:a16="http://schemas.microsoft.com/office/drawing/2014/main" id="{6A71FC6E-6ED3-6EDF-E875-0268A8BE7464}"/>
+                <a16:creationId xmlns:a16="http://schemas.microsoft.com/office/drawing/2014/main" id="{5B29FB20-FE50-E94F-8FCD-BFE3B158F33A}"/>
               </a:ext>
             </a:extLst>
           </p:cNvPr>
@@ -990,7 +990,7 @@
           <p:cNvPr id="3" name="文本占位符 2">
             <a:extLst>
               <a:ext uri="{FF2B5EF4-FFF2-40B4-BE49-F238E27FC236}">
-                <a16:creationId xmlns:a16="http://schemas.microsoft.com/office/drawing/2014/main" id="{B4AA5EF7-2A28-4905-32BE-8D302F015304}"/>
+                <a16:creationId xmlns:a16="http://schemas.microsoft.com/office/drawing/2014/main" id="{BB3ED6AA-E58E-0D68-AE7E-9C028782959E}"/>
               </a:ext>
             </a:extLst>
           </p:cNvPr>
@@ -1115,7 +1115,7 @@
           <p:cNvPr id="4" name="日期占位符 3">
             <a:extLst>
               <a:ext uri="{FF2B5EF4-FFF2-40B4-BE49-F238E27FC236}">
-                <a16:creationId xmlns:a16="http://schemas.microsoft.com/office/drawing/2014/main" id="{24A44AA5-BEA2-BA1E-1CF0-B3B792BD241D}"/>
+                <a16:creationId xmlns:a16="http://schemas.microsoft.com/office/drawing/2014/main" id="{8340BC6A-C652-509F-9D06-2C680A6CFFBB}"/>
               </a:ext>
             </a:extLst>
           </p:cNvPr>
@@ -1131,7 +1131,7 @@
           <a:bodyPr/>
           <a:lstStyle/>
           <a:p>
-            <a:fld id="{4BCBE079-4D1C-4527-B5EC-6822880A6EF9}" type="datetimeFigureOut">
+            <a:fld id="{9A59B4B6-7003-45F4-9DB9-4A8CA9F0CEC5}" type="datetimeFigureOut">
               <a:rPr lang="zh-CN" altLang="en-US" smtClean="0"/>
               <a:t>2024/3/10</a:t>
             </a:fld>
@@ -1144,7 +1144,7 @@
           <p:cNvPr id="5" name="页脚占位符 4">
             <a:extLst>
               <a:ext uri="{FF2B5EF4-FFF2-40B4-BE49-F238E27FC236}">
-                <a16:creationId xmlns:a16="http://schemas.microsoft.com/office/drawing/2014/main" id="{C629EE5D-227E-8768-3E0F-600474EEF758}"/>
+                <a16:creationId xmlns:a16="http://schemas.microsoft.com/office/drawing/2014/main" id="{E30452B0-D147-E2E9-CF58-00E2FADDBDC9}"/>
               </a:ext>
             </a:extLst>
           </p:cNvPr>
@@ -1169,7 +1169,7 @@
           <p:cNvPr id="6" name="灯片编号占位符 5">
             <a:extLst>
               <a:ext uri="{FF2B5EF4-FFF2-40B4-BE49-F238E27FC236}">
-                <a16:creationId xmlns:a16="http://schemas.microsoft.com/office/drawing/2014/main" id="{4BC39D0F-797B-1CFA-F4AB-D53669A92E08}"/>
+                <a16:creationId xmlns:a16="http://schemas.microsoft.com/office/drawing/2014/main" id="{3A4AAA94-6590-6F2D-3E85-8171E8463839}"/>
               </a:ext>
             </a:extLst>
           </p:cNvPr>
@@ -1185,7 +1185,7 @@
           <a:bodyPr/>
           <a:lstStyle/>
           <a:p>
-            <a:fld id="{AE2CD29F-5028-4F38-9ACA-932F902C969D}" type="slidenum">
+            <a:fld id="{662F22C2-7AFB-489E-A63C-1CB9FF22F2D0}" type="slidenum">
               <a:rPr lang="zh-CN" altLang="en-US" smtClean="0"/>
               <a:t>‹#›</a:t>
             </a:fld>
@@ -1196,7 +1196,7 @@
     </p:spTree>
     <p:extLst>
       <p:ext uri="{BB962C8B-B14F-4D97-AF65-F5344CB8AC3E}">
-        <p14:creationId xmlns:p14="http://schemas.microsoft.com/office/powerpoint/2010/main" val="2681836002"/>
+        <p14:creationId xmlns:p14="http://schemas.microsoft.com/office/powerpoint/2010/main" val="514517798"/>
       </p:ext>
     </p:extLst>
   </p:cSld>
@@ -1228,7 +1228,7 @@
           <p:cNvPr id="2" name="标题 1">
             <a:extLst>
               <a:ext uri="{FF2B5EF4-FFF2-40B4-BE49-F238E27FC236}">
-                <a16:creationId xmlns:a16="http://schemas.microsoft.com/office/drawing/2014/main" id="{0CAF3880-CC4F-46DC-ACDB-C5CF14B18305}"/>
+                <a16:creationId xmlns:a16="http://schemas.microsoft.com/office/drawing/2014/main" id="{0509A4D6-4F5D-F810-1761-234AF7344F43}"/>
               </a:ext>
             </a:extLst>
           </p:cNvPr>
@@ -1256,7 +1256,7 @@
           <p:cNvPr id="3" name="内容占位符 2">
             <a:extLst>
               <a:ext uri="{FF2B5EF4-FFF2-40B4-BE49-F238E27FC236}">
-                <a16:creationId xmlns:a16="http://schemas.microsoft.com/office/drawing/2014/main" id="{0DBED885-179E-5EA3-514D-6CE36ED99037}"/>
+                <a16:creationId xmlns:a16="http://schemas.microsoft.com/office/drawing/2014/main" id="{CD991470-C560-1BE6-1519-53F133F9B5FF}"/>
               </a:ext>
             </a:extLst>
           </p:cNvPr>
@@ -1318,7 +1318,7 @@
           <p:cNvPr id="4" name="内容占位符 3">
             <a:extLst>
               <a:ext uri="{FF2B5EF4-FFF2-40B4-BE49-F238E27FC236}">
-                <a16:creationId xmlns:a16="http://schemas.microsoft.com/office/drawing/2014/main" id="{86B96EBB-7190-0E9D-1F01-6C1AE5F0FEF4}"/>
+                <a16:creationId xmlns:a16="http://schemas.microsoft.com/office/drawing/2014/main" id="{33091FC4-68BB-5874-43C5-D5113B2AC97B}"/>
               </a:ext>
             </a:extLst>
           </p:cNvPr>
@@ -1380,7 +1380,7 @@
           <p:cNvPr id="5" name="日期占位符 4">
             <a:extLst>
               <a:ext uri="{FF2B5EF4-FFF2-40B4-BE49-F238E27FC236}">
-                <a16:creationId xmlns:a16="http://schemas.microsoft.com/office/drawing/2014/main" id="{CBFC1D90-65D0-9B51-E1A5-E00016519CCE}"/>
+                <a16:creationId xmlns:a16="http://schemas.microsoft.com/office/drawing/2014/main" id="{BB58CCA0-CC2B-CD93-813B-27B88EB43A9B}"/>
               </a:ext>
             </a:extLst>
           </p:cNvPr>
@@ -1396,7 +1396,7 @@
           <a:bodyPr/>
           <a:lstStyle/>
           <a:p>
-            <a:fld id="{4BCBE079-4D1C-4527-B5EC-6822880A6EF9}" type="datetimeFigureOut">
+            <a:fld id="{9A59B4B6-7003-45F4-9DB9-4A8CA9F0CEC5}" type="datetimeFigureOut">
               <a:rPr lang="zh-CN" altLang="en-US" smtClean="0"/>
               <a:t>2024/3/10</a:t>
             </a:fld>
@@ -1409,7 +1409,7 @@
           <p:cNvPr id="6" name="页脚占位符 5">
             <a:extLst>
               <a:ext uri="{FF2B5EF4-FFF2-40B4-BE49-F238E27FC236}">
-                <a16:creationId xmlns:a16="http://schemas.microsoft.com/office/drawing/2014/main" id="{4F1A39DB-56FE-438E-F29B-D74CE4C82F98}"/>
+                <a16:creationId xmlns:a16="http://schemas.microsoft.com/office/drawing/2014/main" id="{DDD5927A-FC26-407B-A977-63C64BE051DF}"/>
               </a:ext>
             </a:extLst>
           </p:cNvPr>
@@ -1434,7 +1434,7 @@
           <p:cNvPr id="7" name="灯片编号占位符 6">
             <a:extLst>
               <a:ext uri="{FF2B5EF4-FFF2-40B4-BE49-F238E27FC236}">
-                <a16:creationId xmlns:a16="http://schemas.microsoft.com/office/drawing/2014/main" id="{91DA899A-01FF-C911-0CFD-3B7FB579CCFC}"/>
+                <a16:creationId xmlns:a16="http://schemas.microsoft.com/office/drawing/2014/main" id="{8CADE657-A708-5523-E21A-E3D49154B99E}"/>
               </a:ext>
             </a:extLst>
           </p:cNvPr>
@@ -1450,7 +1450,7 @@
           <a:bodyPr/>
           <a:lstStyle/>
           <a:p>
-            <a:fld id="{AE2CD29F-5028-4F38-9ACA-932F902C969D}" type="slidenum">
+            <a:fld id="{662F22C2-7AFB-489E-A63C-1CB9FF22F2D0}" type="slidenum">
               <a:rPr lang="zh-CN" altLang="en-US" smtClean="0"/>
               <a:t>‹#›</a:t>
             </a:fld>
@@ -1461,7 +1461,7 @@
     </p:spTree>
     <p:extLst>
       <p:ext uri="{BB962C8B-B14F-4D97-AF65-F5344CB8AC3E}">
-        <p14:creationId xmlns:p14="http://schemas.microsoft.com/office/powerpoint/2010/main" val="3569854658"/>
+        <p14:creationId xmlns:p14="http://schemas.microsoft.com/office/powerpoint/2010/main" val="54383750"/>
       </p:ext>
     </p:extLst>
   </p:cSld>
@@ -1493,7 +1493,7 @@
           <p:cNvPr id="2" name="标题 1">
             <a:extLst>
               <a:ext uri="{FF2B5EF4-FFF2-40B4-BE49-F238E27FC236}">
-                <a16:creationId xmlns:a16="http://schemas.microsoft.com/office/drawing/2014/main" id="{CCF35C11-9D05-B0C7-8853-1EA90E23A214}"/>
+                <a16:creationId xmlns:a16="http://schemas.microsoft.com/office/drawing/2014/main" id="{7D6AD099-6A02-A175-589A-717B33F3AD75}"/>
               </a:ext>
             </a:extLst>
           </p:cNvPr>
@@ -1526,7 +1526,7 @@
           <p:cNvPr id="3" name="文本占位符 2">
             <a:extLst>
               <a:ext uri="{FF2B5EF4-FFF2-40B4-BE49-F238E27FC236}">
-                <a16:creationId xmlns:a16="http://schemas.microsoft.com/office/drawing/2014/main" id="{A3CDC17F-FBD8-A45F-B608-6A2FF9D58EDE}"/>
+                <a16:creationId xmlns:a16="http://schemas.microsoft.com/office/drawing/2014/main" id="{8FE5977A-C531-BE33-BEC8-0DF185FDE0D9}"/>
               </a:ext>
             </a:extLst>
           </p:cNvPr>
@@ -1597,7 +1597,7 @@
           <p:cNvPr id="4" name="内容占位符 3">
             <a:extLst>
               <a:ext uri="{FF2B5EF4-FFF2-40B4-BE49-F238E27FC236}">
-                <a16:creationId xmlns:a16="http://schemas.microsoft.com/office/drawing/2014/main" id="{9D6DC810-3579-D6A3-9171-AF83C8FAD578}"/>
+                <a16:creationId xmlns:a16="http://schemas.microsoft.com/office/drawing/2014/main" id="{8107CB3D-F4AF-73F6-1109-1D35431A6C4C}"/>
               </a:ext>
             </a:extLst>
           </p:cNvPr>
@@ -1659,7 +1659,7 @@
           <p:cNvPr id="5" name="文本占位符 4">
             <a:extLst>
               <a:ext uri="{FF2B5EF4-FFF2-40B4-BE49-F238E27FC236}">
-                <a16:creationId xmlns:a16="http://schemas.microsoft.com/office/drawing/2014/main" id="{AF55A8FE-8C05-AA51-A7FA-F359C2951F4F}"/>
+                <a16:creationId xmlns:a16="http://schemas.microsoft.com/office/drawing/2014/main" id="{1A609B04-6333-80B6-AEBC-53C0757CED4C}"/>
               </a:ext>
             </a:extLst>
           </p:cNvPr>
@@ -1730,7 +1730,7 @@
           <p:cNvPr id="6" name="内容占位符 5">
             <a:extLst>
               <a:ext uri="{FF2B5EF4-FFF2-40B4-BE49-F238E27FC236}">
-                <a16:creationId xmlns:a16="http://schemas.microsoft.com/office/drawing/2014/main" id="{05F469EC-F757-E34A-9CC4-5AEF6B2152C2}"/>
+                <a16:creationId xmlns:a16="http://schemas.microsoft.com/office/drawing/2014/main" id="{6BF01422-D4E5-973E-A1BC-6899DC301B84}"/>
               </a:ext>
             </a:extLst>
           </p:cNvPr>
@@ -1792,7 +1792,7 @@
           <p:cNvPr id="7" name="日期占位符 6">
             <a:extLst>
               <a:ext uri="{FF2B5EF4-FFF2-40B4-BE49-F238E27FC236}">
-                <a16:creationId xmlns:a16="http://schemas.microsoft.com/office/drawing/2014/main" id="{2F2F2B5B-CC6B-C49F-B058-A68CCC4F6CB3}"/>
+                <a16:creationId xmlns:a16="http://schemas.microsoft.com/office/drawing/2014/main" id="{AC60C842-09ED-A662-F598-EEF1EB1C3365}"/>
               </a:ext>
             </a:extLst>
           </p:cNvPr>
@@ -1808,7 +1808,7 @@
           <a:bodyPr/>
           <a:lstStyle/>
           <a:p>
-            <a:fld id="{4BCBE079-4D1C-4527-B5EC-6822880A6EF9}" type="datetimeFigureOut">
+            <a:fld id="{9A59B4B6-7003-45F4-9DB9-4A8CA9F0CEC5}" type="datetimeFigureOut">
               <a:rPr lang="zh-CN" altLang="en-US" smtClean="0"/>
               <a:t>2024/3/10</a:t>
             </a:fld>
@@ -1821,7 +1821,7 @@
           <p:cNvPr id="8" name="页脚占位符 7">
             <a:extLst>
               <a:ext uri="{FF2B5EF4-FFF2-40B4-BE49-F238E27FC236}">
-                <a16:creationId xmlns:a16="http://schemas.microsoft.com/office/drawing/2014/main" id="{B5F4B4BC-ED72-9C44-0630-866286AD2141}"/>
+                <a16:creationId xmlns:a16="http://schemas.microsoft.com/office/drawing/2014/main" id="{249A0DCB-E87F-1111-6E34-20A1995B1584}"/>
               </a:ext>
             </a:extLst>
           </p:cNvPr>
@@ -1846,7 +1846,7 @@
           <p:cNvPr id="9" name="灯片编号占位符 8">
             <a:extLst>
               <a:ext uri="{FF2B5EF4-FFF2-40B4-BE49-F238E27FC236}">
-                <a16:creationId xmlns:a16="http://schemas.microsoft.com/office/drawing/2014/main" id="{BBD44874-A98A-94C9-4326-B5559AD5BCF8}"/>
+                <a16:creationId xmlns:a16="http://schemas.microsoft.com/office/drawing/2014/main" id="{267CE6FB-6475-C41F-1599-AAE306920C36}"/>
               </a:ext>
             </a:extLst>
           </p:cNvPr>
@@ -1862,7 +1862,7 @@
           <a:bodyPr/>
           <a:lstStyle/>
           <a:p>
-            <a:fld id="{AE2CD29F-5028-4F38-9ACA-932F902C969D}" type="slidenum">
+            <a:fld id="{662F22C2-7AFB-489E-A63C-1CB9FF22F2D0}" type="slidenum">
               <a:rPr lang="zh-CN" altLang="en-US" smtClean="0"/>
               <a:t>‹#›</a:t>
             </a:fld>
@@ -1873,7 +1873,7 @@
     </p:spTree>
     <p:extLst>
       <p:ext uri="{BB962C8B-B14F-4D97-AF65-F5344CB8AC3E}">
-        <p14:creationId xmlns:p14="http://schemas.microsoft.com/office/powerpoint/2010/main" val="1869400254"/>
+        <p14:creationId xmlns:p14="http://schemas.microsoft.com/office/powerpoint/2010/main" val="3123916941"/>
       </p:ext>
     </p:extLst>
   </p:cSld>
@@ -1905,7 +1905,7 @@
           <p:cNvPr id="2" name="标题 1">
             <a:extLst>
               <a:ext uri="{FF2B5EF4-FFF2-40B4-BE49-F238E27FC236}">
-                <a16:creationId xmlns:a16="http://schemas.microsoft.com/office/drawing/2014/main" id="{EEBBAFF7-55E7-6FA4-1710-A2B248577564}"/>
+                <a16:creationId xmlns:a16="http://schemas.microsoft.com/office/drawing/2014/main" id="{351CE240-CFE3-77F4-4A5F-1FB866003831}"/>
               </a:ext>
             </a:extLst>
           </p:cNvPr>
@@ -1933,7 +1933,7 @@
           <p:cNvPr id="3" name="日期占位符 2">
             <a:extLst>
               <a:ext uri="{FF2B5EF4-FFF2-40B4-BE49-F238E27FC236}">
-                <a16:creationId xmlns:a16="http://schemas.microsoft.com/office/drawing/2014/main" id="{FEE44DE4-7360-843A-EC04-E0B4B1FC141B}"/>
+                <a16:creationId xmlns:a16="http://schemas.microsoft.com/office/drawing/2014/main" id="{EBB7786D-5423-8D23-415D-A9559C409366}"/>
               </a:ext>
             </a:extLst>
           </p:cNvPr>
@@ -1949,7 +1949,7 @@
           <a:bodyPr/>
           <a:lstStyle/>
           <a:p>
-            <a:fld id="{4BCBE079-4D1C-4527-B5EC-6822880A6EF9}" type="datetimeFigureOut">
+            <a:fld id="{9A59B4B6-7003-45F4-9DB9-4A8CA9F0CEC5}" type="datetimeFigureOut">
               <a:rPr lang="zh-CN" altLang="en-US" smtClean="0"/>
               <a:t>2024/3/10</a:t>
             </a:fld>
@@ -1962,7 +1962,7 @@
           <p:cNvPr id="4" name="页脚占位符 3">
             <a:extLst>
               <a:ext uri="{FF2B5EF4-FFF2-40B4-BE49-F238E27FC236}">
-                <a16:creationId xmlns:a16="http://schemas.microsoft.com/office/drawing/2014/main" id="{F9FD5C94-150D-EE4C-2E56-04523E9D0ADC}"/>
+                <a16:creationId xmlns:a16="http://schemas.microsoft.com/office/drawing/2014/main" id="{CB186ED7-F96A-A8D0-C6F1-FCE9988686AC}"/>
               </a:ext>
             </a:extLst>
           </p:cNvPr>
@@ -1987,7 +1987,7 @@
           <p:cNvPr id="5" name="灯片编号占位符 4">
             <a:extLst>
               <a:ext uri="{FF2B5EF4-FFF2-40B4-BE49-F238E27FC236}">
-                <a16:creationId xmlns:a16="http://schemas.microsoft.com/office/drawing/2014/main" id="{666EDC6E-CE49-CC35-2D20-F597C7A7FF73}"/>
+                <a16:creationId xmlns:a16="http://schemas.microsoft.com/office/drawing/2014/main" id="{679F40F6-7FE3-82A9-D9A3-E99821593ED4}"/>
               </a:ext>
             </a:extLst>
           </p:cNvPr>
@@ -2003,7 +2003,7 @@
           <a:bodyPr/>
           <a:lstStyle/>
           <a:p>
-            <a:fld id="{AE2CD29F-5028-4F38-9ACA-932F902C969D}" type="slidenum">
+            <a:fld id="{662F22C2-7AFB-489E-A63C-1CB9FF22F2D0}" type="slidenum">
               <a:rPr lang="zh-CN" altLang="en-US" smtClean="0"/>
               <a:t>‹#›</a:t>
             </a:fld>
@@ -2014,7 +2014,7 @@
     </p:spTree>
     <p:extLst>
       <p:ext uri="{BB962C8B-B14F-4D97-AF65-F5344CB8AC3E}">
-        <p14:creationId xmlns:p14="http://schemas.microsoft.com/office/powerpoint/2010/main" val="772156978"/>
+        <p14:creationId xmlns:p14="http://schemas.microsoft.com/office/powerpoint/2010/main" val="2210657189"/>
       </p:ext>
     </p:extLst>
   </p:cSld>
@@ -2046,7 +2046,7 @@
           <p:cNvPr id="2" name="日期占位符 1">
             <a:extLst>
               <a:ext uri="{FF2B5EF4-FFF2-40B4-BE49-F238E27FC236}">
-                <a16:creationId xmlns:a16="http://schemas.microsoft.com/office/drawing/2014/main" id="{9E5C9E67-B72E-4A57-693C-2A3CB0117527}"/>
+                <a16:creationId xmlns:a16="http://schemas.microsoft.com/office/drawing/2014/main" id="{80A1BE2B-DC97-8079-205E-7B6A06FAF0AD}"/>
               </a:ext>
             </a:extLst>
           </p:cNvPr>
@@ -2062,7 +2062,7 @@
           <a:bodyPr/>
           <a:lstStyle/>
           <a:p>
-            <a:fld id="{4BCBE079-4D1C-4527-B5EC-6822880A6EF9}" type="datetimeFigureOut">
+            <a:fld id="{9A59B4B6-7003-45F4-9DB9-4A8CA9F0CEC5}" type="datetimeFigureOut">
               <a:rPr lang="zh-CN" altLang="en-US" smtClean="0"/>
               <a:t>2024/3/10</a:t>
             </a:fld>
@@ -2075,7 +2075,7 @@
           <p:cNvPr id="3" name="页脚占位符 2">
             <a:extLst>
               <a:ext uri="{FF2B5EF4-FFF2-40B4-BE49-F238E27FC236}">
-                <a16:creationId xmlns:a16="http://schemas.microsoft.com/office/drawing/2014/main" id="{5AE5AE42-4C63-DFA6-E7EF-D1E1121F98E6}"/>
+                <a16:creationId xmlns:a16="http://schemas.microsoft.com/office/drawing/2014/main" id="{E2B37C5A-4CA8-02DB-75EF-EAA1EC91B508}"/>
               </a:ext>
             </a:extLst>
           </p:cNvPr>
@@ -2100,7 +2100,7 @@
           <p:cNvPr id="4" name="灯片编号占位符 3">
             <a:extLst>
               <a:ext uri="{FF2B5EF4-FFF2-40B4-BE49-F238E27FC236}">
-                <a16:creationId xmlns:a16="http://schemas.microsoft.com/office/drawing/2014/main" id="{FD54F007-4F15-DF9A-6FBD-C849CC7EE4A2}"/>
+                <a16:creationId xmlns:a16="http://schemas.microsoft.com/office/drawing/2014/main" id="{2446C53A-2CF0-BCE9-2AD7-06E33E061755}"/>
               </a:ext>
             </a:extLst>
           </p:cNvPr>
@@ -2116,7 +2116,7 @@
           <a:bodyPr/>
           <a:lstStyle/>
           <a:p>
-            <a:fld id="{AE2CD29F-5028-4F38-9ACA-932F902C969D}" type="slidenum">
+            <a:fld id="{662F22C2-7AFB-489E-A63C-1CB9FF22F2D0}" type="slidenum">
               <a:rPr lang="zh-CN" altLang="en-US" smtClean="0"/>
               <a:t>‹#›</a:t>
             </a:fld>
@@ -2127,7 +2127,7 @@
     </p:spTree>
     <p:extLst>
       <p:ext uri="{BB962C8B-B14F-4D97-AF65-F5344CB8AC3E}">
-        <p14:creationId xmlns:p14="http://schemas.microsoft.com/office/powerpoint/2010/main" val="1674985863"/>
+        <p14:creationId xmlns:p14="http://schemas.microsoft.com/office/powerpoint/2010/main" val="3989387354"/>
       </p:ext>
     </p:extLst>
   </p:cSld>
@@ -2159,7 +2159,7 @@
           <p:cNvPr id="2" name="标题 1">
             <a:extLst>
               <a:ext uri="{FF2B5EF4-FFF2-40B4-BE49-F238E27FC236}">
-                <a16:creationId xmlns:a16="http://schemas.microsoft.com/office/drawing/2014/main" id="{80D1DA1A-584E-22E0-05AB-0E7B1EE9D4FC}"/>
+                <a16:creationId xmlns:a16="http://schemas.microsoft.com/office/drawing/2014/main" id="{08007764-428B-FB6E-73F4-B1C83E7F99D5}"/>
               </a:ext>
             </a:extLst>
           </p:cNvPr>
@@ -2196,7 +2196,7 @@
           <p:cNvPr id="3" name="内容占位符 2">
             <a:extLst>
               <a:ext uri="{FF2B5EF4-FFF2-40B4-BE49-F238E27FC236}">
-                <a16:creationId xmlns:a16="http://schemas.microsoft.com/office/drawing/2014/main" id="{07488AE9-EFDA-6556-BE0A-04935335F446}"/>
+                <a16:creationId xmlns:a16="http://schemas.microsoft.com/office/drawing/2014/main" id="{DCE83AFE-4EF3-620D-0D92-3F4DFFE0E4BD}"/>
               </a:ext>
             </a:extLst>
           </p:cNvPr>
@@ -2286,7 +2286,7 @@
           <p:cNvPr id="4" name="文本占位符 3">
             <a:extLst>
               <a:ext uri="{FF2B5EF4-FFF2-40B4-BE49-F238E27FC236}">
-                <a16:creationId xmlns:a16="http://schemas.microsoft.com/office/drawing/2014/main" id="{74611B81-7CA1-3F0C-B38B-B6BDD192D707}"/>
+                <a16:creationId xmlns:a16="http://schemas.microsoft.com/office/drawing/2014/main" id="{A7143509-B0B8-A780-5793-A2E145F6C834}"/>
               </a:ext>
             </a:extLst>
           </p:cNvPr>
@@ -2357,7 +2357,7 @@
           <p:cNvPr id="5" name="日期占位符 4">
             <a:extLst>
               <a:ext uri="{FF2B5EF4-FFF2-40B4-BE49-F238E27FC236}">
-                <a16:creationId xmlns:a16="http://schemas.microsoft.com/office/drawing/2014/main" id="{004B3FD6-B9E5-C516-D6EB-2B593076C1D3}"/>
+                <a16:creationId xmlns:a16="http://schemas.microsoft.com/office/drawing/2014/main" id="{40E15DED-D92A-ABD0-A411-76BD47A29241}"/>
               </a:ext>
             </a:extLst>
           </p:cNvPr>
@@ -2373,7 +2373,7 @@
           <a:bodyPr/>
           <a:lstStyle/>
           <a:p>
-            <a:fld id="{4BCBE079-4D1C-4527-B5EC-6822880A6EF9}" type="datetimeFigureOut">
+            <a:fld id="{9A59B4B6-7003-45F4-9DB9-4A8CA9F0CEC5}" type="datetimeFigureOut">
               <a:rPr lang="zh-CN" altLang="en-US" smtClean="0"/>
               <a:t>2024/3/10</a:t>
             </a:fld>
@@ -2386,7 +2386,7 @@
           <p:cNvPr id="6" name="页脚占位符 5">
             <a:extLst>
               <a:ext uri="{FF2B5EF4-FFF2-40B4-BE49-F238E27FC236}">
-                <a16:creationId xmlns:a16="http://schemas.microsoft.com/office/drawing/2014/main" id="{34820153-8BB2-DEF4-4026-8A480536B89A}"/>
+                <a16:creationId xmlns:a16="http://schemas.microsoft.com/office/drawing/2014/main" id="{75393065-0BCF-E378-D72E-FDC4273F5387}"/>
               </a:ext>
             </a:extLst>
           </p:cNvPr>
@@ -2411,7 +2411,7 @@
           <p:cNvPr id="7" name="灯片编号占位符 6">
             <a:extLst>
               <a:ext uri="{FF2B5EF4-FFF2-40B4-BE49-F238E27FC236}">
-                <a16:creationId xmlns:a16="http://schemas.microsoft.com/office/drawing/2014/main" id="{6F494BB5-38C8-575D-33D6-32D649B98A0F}"/>
+                <a16:creationId xmlns:a16="http://schemas.microsoft.com/office/drawing/2014/main" id="{22EB2691-B750-6595-7346-C694B0A55334}"/>
               </a:ext>
             </a:extLst>
           </p:cNvPr>
@@ -2427,7 +2427,7 @@
           <a:bodyPr/>
           <a:lstStyle/>
           <a:p>
-            <a:fld id="{AE2CD29F-5028-4F38-9ACA-932F902C969D}" type="slidenum">
+            <a:fld id="{662F22C2-7AFB-489E-A63C-1CB9FF22F2D0}" type="slidenum">
               <a:rPr lang="zh-CN" altLang="en-US" smtClean="0"/>
               <a:t>‹#›</a:t>
             </a:fld>
@@ -2438,7 +2438,7 @@
     </p:spTree>
     <p:extLst>
       <p:ext uri="{BB962C8B-B14F-4D97-AF65-F5344CB8AC3E}">
-        <p14:creationId xmlns:p14="http://schemas.microsoft.com/office/powerpoint/2010/main" val="964307793"/>
+        <p14:creationId xmlns:p14="http://schemas.microsoft.com/office/powerpoint/2010/main" val="2860823437"/>
       </p:ext>
     </p:extLst>
   </p:cSld>
@@ -2470,7 +2470,7 @@
           <p:cNvPr id="2" name="标题 1">
             <a:extLst>
               <a:ext uri="{FF2B5EF4-FFF2-40B4-BE49-F238E27FC236}">
-                <a16:creationId xmlns:a16="http://schemas.microsoft.com/office/drawing/2014/main" id="{5643D822-6B49-55F7-5881-F06673AD5C2D}"/>
+                <a16:creationId xmlns:a16="http://schemas.microsoft.com/office/drawing/2014/main" id="{1ED89C55-D3F7-3379-7207-324C326B7AF1}"/>
               </a:ext>
             </a:extLst>
           </p:cNvPr>
@@ -2507,7 +2507,7 @@
           <p:cNvPr id="3" name="图片占位符 2">
             <a:extLst>
               <a:ext uri="{FF2B5EF4-FFF2-40B4-BE49-F238E27FC236}">
-                <a16:creationId xmlns:a16="http://schemas.microsoft.com/office/drawing/2014/main" id="{657EDC1A-4E3B-29D4-7404-BB40678CF58B}"/>
+                <a16:creationId xmlns:a16="http://schemas.microsoft.com/office/drawing/2014/main" id="{9309736C-E347-8A52-F3B9-D200183208B9}"/>
               </a:ext>
             </a:extLst>
           </p:cNvPr>
@@ -2574,7 +2574,7 @@
           <p:cNvPr id="4" name="文本占位符 3">
             <a:extLst>
               <a:ext uri="{FF2B5EF4-FFF2-40B4-BE49-F238E27FC236}">
-                <a16:creationId xmlns:a16="http://schemas.microsoft.com/office/drawing/2014/main" id="{57974943-568E-6A26-1A83-A474143F0562}"/>
+                <a16:creationId xmlns:a16="http://schemas.microsoft.com/office/drawing/2014/main" id="{8454F0AE-CF04-1A28-46AA-2A73ED22C39B}"/>
               </a:ext>
             </a:extLst>
           </p:cNvPr>
@@ -2645,7 +2645,7 @@
           <p:cNvPr id="5" name="日期占位符 4">
             <a:extLst>
               <a:ext uri="{FF2B5EF4-FFF2-40B4-BE49-F238E27FC236}">
-                <a16:creationId xmlns:a16="http://schemas.microsoft.com/office/drawing/2014/main" id="{48061D60-302D-D238-9509-2C06A396472F}"/>
+                <a16:creationId xmlns:a16="http://schemas.microsoft.com/office/drawing/2014/main" id="{A6D102E6-EE5D-4F13-8186-6DEF3A335DAB}"/>
               </a:ext>
             </a:extLst>
           </p:cNvPr>
@@ -2661,7 +2661,7 @@
           <a:bodyPr/>
           <a:lstStyle/>
           <a:p>
-            <a:fld id="{4BCBE079-4D1C-4527-B5EC-6822880A6EF9}" type="datetimeFigureOut">
+            <a:fld id="{9A59B4B6-7003-45F4-9DB9-4A8CA9F0CEC5}" type="datetimeFigureOut">
               <a:rPr lang="zh-CN" altLang="en-US" smtClean="0"/>
               <a:t>2024/3/10</a:t>
             </a:fld>
@@ -2674,7 +2674,7 @@
           <p:cNvPr id="6" name="页脚占位符 5">
             <a:extLst>
               <a:ext uri="{FF2B5EF4-FFF2-40B4-BE49-F238E27FC236}">
-                <a16:creationId xmlns:a16="http://schemas.microsoft.com/office/drawing/2014/main" id="{059A6C0A-F2B5-7E6C-94EE-4B9A8753EBFD}"/>
+                <a16:creationId xmlns:a16="http://schemas.microsoft.com/office/drawing/2014/main" id="{24E92085-939D-8DBE-D40B-B8BD680C0EBC}"/>
               </a:ext>
             </a:extLst>
           </p:cNvPr>
@@ -2699,7 +2699,7 @@
           <p:cNvPr id="7" name="灯片编号占位符 6">
             <a:extLst>
               <a:ext uri="{FF2B5EF4-FFF2-40B4-BE49-F238E27FC236}">
-                <a16:creationId xmlns:a16="http://schemas.microsoft.com/office/drawing/2014/main" id="{BBF2CBF3-B1C4-2657-D2A4-F2D97D1C2E39}"/>
+                <a16:creationId xmlns:a16="http://schemas.microsoft.com/office/drawing/2014/main" id="{6DD4B45C-396D-3C34-D79E-23AB3E046993}"/>
               </a:ext>
             </a:extLst>
           </p:cNvPr>
@@ -2715,7 +2715,7 @@
           <a:bodyPr/>
           <a:lstStyle/>
           <a:p>
-            <a:fld id="{AE2CD29F-5028-4F38-9ACA-932F902C969D}" type="slidenum">
+            <a:fld id="{662F22C2-7AFB-489E-A63C-1CB9FF22F2D0}" type="slidenum">
               <a:rPr lang="zh-CN" altLang="en-US" smtClean="0"/>
               <a:t>‹#›</a:t>
             </a:fld>
@@ -2726,7 +2726,7 @@
     </p:spTree>
     <p:extLst>
       <p:ext uri="{BB962C8B-B14F-4D97-AF65-F5344CB8AC3E}">
-        <p14:creationId xmlns:p14="http://schemas.microsoft.com/office/powerpoint/2010/main" val="120952293"/>
+        <p14:creationId xmlns:p14="http://schemas.microsoft.com/office/powerpoint/2010/main" val="891285860"/>
       </p:ext>
     </p:extLst>
   </p:cSld>
@@ -2763,7 +2763,7 @@
           <p:cNvPr id="2" name="标题占位符 1">
             <a:extLst>
               <a:ext uri="{FF2B5EF4-FFF2-40B4-BE49-F238E27FC236}">
-                <a16:creationId xmlns:a16="http://schemas.microsoft.com/office/drawing/2014/main" id="{E2BE9633-26DB-938D-65ED-F058729922C4}"/>
+                <a16:creationId xmlns:a16="http://schemas.microsoft.com/office/drawing/2014/main" id="{0FD38DC9-73E6-B923-D170-BE1E2C51856E}"/>
               </a:ext>
             </a:extLst>
           </p:cNvPr>
@@ -2801,7 +2801,7 @@
           <p:cNvPr id="3" name="文本占位符 2">
             <a:extLst>
               <a:ext uri="{FF2B5EF4-FFF2-40B4-BE49-F238E27FC236}">
-                <a16:creationId xmlns:a16="http://schemas.microsoft.com/office/drawing/2014/main" id="{167A0981-0BCF-1EB5-D071-F9095C9520D7}"/>
+                <a16:creationId xmlns:a16="http://schemas.microsoft.com/office/drawing/2014/main" id="{E8B9B91A-6BF2-823E-F8B6-CDC7F9F846B9}"/>
               </a:ext>
             </a:extLst>
           </p:cNvPr>
@@ -2868,7 +2868,7 @@
           <p:cNvPr id="4" name="日期占位符 3">
             <a:extLst>
               <a:ext uri="{FF2B5EF4-FFF2-40B4-BE49-F238E27FC236}">
-                <a16:creationId xmlns:a16="http://schemas.microsoft.com/office/drawing/2014/main" id="{F9D2089A-CA74-BA4A-F37F-98CC089FFB3D}"/>
+                <a16:creationId xmlns:a16="http://schemas.microsoft.com/office/drawing/2014/main" id="{140920D0-2BE4-B815-06B0-4E8B5545E687}"/>
               </a:ext>
             </a:extLst>
           </p:cNvPr>
@@ -2902,7 +2902,7 @@
             </a:lvl1pPr>
           </a:lstStyle>
           <a:p>
-            <a:fld id="{4BCBE079-4D1C-4527-B5EC-6822880A6EF9}" type="datetimeFigureOut">
+            <a:fld id="{9A59B4B6-7003-45F4-9DB9-4A8CA9F0CEC5}" type="datetimeFigureOut">
               <a:rPr lang="zh-CN" altLang="en-US" smtClean="0"/>
               <a:t>2024/3/10</a:t>
             </a:fld>
@@ -2915,7 +2915,7 @@
           <p:cNvPr id="5" name="页脚占位符 4">
             <a:extLst>
               <a:ext uri="{FF2B5EF4-FFF2-40B4-BE49-F238E27FC236}">
-                <a16:creationId xmlns:a16="http://schemas.microsoft.com/office/drawing/2014/main" id="{30B5D62E-F59E-C778-4292-DE6A5F8459D2}"/>
+                <a16:creationId xmlns:a16="http://schemas.microsoft.com/office/drawing/2014/main" id="{6CA3EB11-17F2-3563-90DE-921E0B4F3002}"/>
               </a:ext>
             </a:extLst>
           </p:cNvPr>
@@ -2958,7 +2958,7 @@
           <p:cNvPr id="6" name="灯片编号占位符 5">
             <a:extLst>
               <a:ext uri="{FF2B5EF4-FFF2-40B4-BE49-F238E27FC236}">
-                <a16:creationId xmlns:a16="http://schemas.microsoft.com/office/drawing/2014/main" id="{854A5DE3-A200-A8A6-D8EC-A31F710619A4}"/>
+                <a16:creationId xmlns:a16="http://schemas.microsoft.com/office/drawing/2014/main" id="{F5D561FD-825D-6993-1A85-3889EB079AB5}"/>
               </a:ext>
             </a:extLst>
           </p:cNvPr>
@@ -2992,7 +2992,7 @@
             </a:lvl1pPr>
           </a:lstStyle>
           <a:p>
-            <a:fld id="{AE2CD29F-5028-4F38-9ACA-932F902C969D}" type="slidenum">
+            <a:fld id="{662F22C2-7AFB-489E-A63C-1CB9FF22F2D0}" type="slidenum">
               <a:rPr lang="zh-CN" altLang="en-US" smtClean="0"/>
               <a:t>‹#›</a:t>
             </a:fld>
@@ -3003,7 +3003,7 @@
     </p:spTree>
     <p:extLst>
       <p:ext uri="{BB962C8B-B14F-4D97-AF65-F5344CB8AC3E}">
-        <p14:creationId xmlns:p14="http://schemas.microsoft.com/office/powerpoint/2010/main" val="2352136378"/>
+        <p14:creationId xmlns:p14="http://schemas.microsoft.com/office/powerpoint/2010/main" val="3884540957"/>
       </p:ext>
     </p:extLst>
   </p:cSld>
